--- a/slide/Exception_Generic.pptx
+++ b/slide/Exception_Generic.pptx
@@ -118,6 +118,11 @@
       </a:defRPr>
     </a:lvl9pPr>
   </p:defaultTextStyle>
+  <p:extLst>
+    <p:ext uri="{EFAFB233-063F-42B5-8137-9DF3F51BA10A}">
+      <p15:sldGuideLst xmlns:p15="http://schemas.microsoft.com/office/powerpoint/2012/main"/>
+    </p:ext>
+  </p:extLst>
 </p:presentation>
 </file>
 
@@ -252,7 +257,7 @@
           <a:p>
             <a:fld id="{4FE1D42A-ACDB-43EE-8998-D5B7D9D59AC9}" type="datetimeFigureOut">
               <a:rPr lang="en-US" smtClean="0"/>
-              <a:t>12/17/2019</a:t>
+              <a:t>1/4/2020</a:t>
             </a:fld>
             <a:endParaRPr lang="en-US"/>
           </a:p>
@@ -422,7 +427,7 @@
           <a:p>
             <a:fld id="{4FE1D42A-ACDB-43EE-8998-D5B7D9D59AC9}" type="datetimeFigureOut">
               <a:rPr lang="en-US" smtClean="0"/>
-              <a:t>12/17/2019</a:t>
+              <a:t>1/4/2020</a:t>
             </a:fld>
             <a:endParaRPr lang="en-US"/>
           </a:p>
@@ -602,7 +607,7 @@
           <a:p>
             <a:fld id="{4FE1D42A-ACDB-43EE-8998-D5B7D9D59AC9}" type="datetimeFigureOut">
               <a:rPr lang="en-US" smtClean="0"/>
-              <a:t>12/17/2019</a:t>
+              <a:t>1/4/2020</a:t>
             </a:fld>
             <a:endParaRPr lang="en-US"/>
           </a:p>
@@ -772,7 +777,7 @@
           <a:p>
             <a:fld id="{4FE1D42A-ACDB-43EE-8998-D5B7D9D59AC9}" type="datetimeFigureOut">
               <a:rPr lang="en-US" smtClean="0"/>
-              <a:t>12/17/2019</a:t>
+              <a:t>1/4/2020</a:t>
             </a:fld>
             <a:endParaRPr lang="en-US"/>
           </a:p>
@@ -1018,7 +1023,7 @@
           <a:p>
             <a:fld id="{4FE1D42A-ACDB-43EE-8998-D5B7D9D59AC9}" type="datetimeFigureOut">
               <a:rPr lang="en-US" smtClean="0"/>
-              <a:t>12/17/2019</a:t>
+              <a:t>1/4/2020</a:t>
             </a:fld>
             <a:endParaRPr lang="en-US"/>
           </a:p>
@@ -1250,7 +1255,7 @@
           <a:p>
             <a:fld id="{4FE1D42A-ACDB-43EE-8998-D5B7D9D59AC9}" type="datetimeFigureOut">
               <a:rPr lang="en-US" smtClean="0"/>
-              <a:t>12/17/2019</a:t>
+              <a:t>1/4/2020</a:t>
             </a:fld>
             <a:endParaRPr lang="en-US"/>
           </a:p>
@@ -1617,7 +1622,7 @@
           <a:p>
             <a:fld id="{4FE1D42A-ACDB-43EE-8998-D5B7D9D59AC9}" type="datetimeFigureOut">
               <a:rPr lang="en-US" smtClean="0"/>
-              <a:t>12/17/2019</a:t>
+              <a:t>1/4/2020</a:t>
             </a:fld>
             <a:endParaRPr lang="en-US"/>
           </a:p>
@@ -1735,7 +1740,7 @@
           <a:p>
             <a:fld id="{4FE1D42A-ACDB-43EE-8998-D5B7D9D59AC9}" type="datetimeFigureOut">
               <a:rPr lang="en-US" smtClean="0"/>
-              <a:t>12/17/2019</a:t>
+              <a:t>1/4/2020</a:t>
             </a:fld>
             <a:endParaRPr lang="en-US"/>
           </a:p>
@@ -1830,7 +1835,7 @@
           <a:p>
             <a:fld id="{4FE1D42A-ACDB-43EE-8998-D5B7D9D59AC9}" type="datetimeFigureOut">
               <a:rPr lang="en-US" smtClean="0"/>
-              <a:t>12/17/2019</a:t>
+              <a:t>1/4/2020</a:t>
             </a:fld>
             <a:endParaRPr lang="en-US"/>
           </a:p>
@@ -2107,7 +2112,7 @@
           <a:p>
             <a:fld id="{4FE1D42A-ACDB-43EE-8998-D5B7D9D59AC9}" type="datetimeFigureOut">
               <a:rPr lang="en-US" smtClean="0"/>
-              <a:t>12/17/2019</a:t>
+              <a:t>1/4/2020</a:t>
             </a:fld>
             <a:endParaRPr lang="en-US"/>
           </a:p>
@@ -2360,7 +2365,7 @@
           <a:p>
             <a:fld id="{4FE1D42A-ACDB-43EE-8998-D5B7D9D59AC9}" type="datetimeFigureOut">
               <a:rPr lang="en-US" smtClean="0"/>
-              <a:t>12/17/2019</a:t>
+              <a:t>1/4/2020</a:t>
             </a:fld>
             <a:endParaRPr lang="en-US"/>
           </a:p>
@@ -2573,7 +2578,7 @@
           <a:p>
             <a:fld id="{4FE1D42A-ACDB-43EE-8998-D5B7D9D59AC9}" type="datetimeFigureOut">
               <a:rPr lang="en-US" smtClean="0"/>
-              <a:t>12/17/2019</a:t>
+              <a:t>1/4/2020</a:t>
             </a:fld>
             <a:endParaRPr lang="en-US"/>
           </a:p>
@@ -3133,6 +3138,13 @@
   <p:clrMapOvr>
     <a:masterClrMapping/>
   </p:clrMapOvr>
+  <p:timing>
+    <p:tnLst>
+      <p:par>
+        <p:cTn id="1" dur="indefinite" restart="never" nodeType="tmRoot"/>
+      </p:par>
+    </p:tnLst>
+  </p:timing>
 </p:sld>
 </file>
 
@@ -3233,6 +3245,13 @@
   <p:clrMapOvr>
     <a:masterClrMapping/>
   </p:clrMapOvr>
+  <p:timing>
+    <p:tnLst>
+      <p:par>
+        <p:cTn id="1" dur="indefinite" restart="never" nodeType="tmRoot"/>
+      </p:par>
+    </p:tnLst>
+  </p:timing>
 </p:sld>
 </file>
 
@@ -3308,6 +3327,13 @@
   <p:clrMapOvr>
     <a:masterClrMapping/>
   </p:clrMapOvr>
+  <p:timing>
+    <p:tnLst>
+      <p:par>
+        <p:cTn id="1" dur="indefinite" restart="never" nodeType="tmRoot"/>
+      </p:par>
+    </p:tnLst>
+  </p:timing>
 </p:sld>
 </file>
 
@@ -3476,6 +3502,18 @@
             <a:r>
               <a:rPr lang="vi-VN" dirty="0" smtClean="0"/>
               <a:t>Double</a:t>
+            </a:r>
+            <a:r>
+              <a:rPr lang="en-US" dirty="0" smtClean="0"/>
+              <a:t>..(String sẽ báo </a:t>
+            </a:r>
+            <a:r>
+              <a:rPr lang="en-US" dirty="0" err="1" smtClean="0"/>
+              <a:t>lỗi</a:t>
+            </a:r>
+            <a:r>
+              <a:rPr lang="en-US" dirty="0" smtClean="0"/>
+              <a:t>)</a:t>
             </a:r>
             <a:endParaRPr lang="vi-VN" dirty="0"/>
           </a:p>
@@ -3608,7 +3646,7 @@
         </p:blipFill>
         <p:spPr>
           <a:xfrm>
-            <a:off x="0" y="1803472"/>
+            <a:off x="132629" y="1906876"/>
             <a:ext cx="5200650" cy="3324225"/>
           </a:xfrm>
           <a:prstGeom prst="rect">
@@ -5050,6 +5088,13 @@
   <p:clrMapOvr>
     <a:masterClrMapping/>
   </p:clrMapOvr>
+  <p:timing>
+    <p:tnLst>
+      <p:par>
+        <p:cTn id="1" dur="indefinite" restart="never" nodeType="tmRoot"/>
+      </p:par>
+    </p:tnLst>
+  </p:timing>
 </p:sld>
 </file>
 
